--- a/教学课件/13.第十三课  Transform组件,Time, Camera.pptx
+++ b/教学课件/13.第十三课  Transform组件,Time, Camera.pptx
@@ -6175,7 +6175,7 @@
             </a:r>
             <a:r>
               <a:rPr lang="zh-CN" altLang="en-US" sz="1800"/>
-              <a:t>(); 移动</a:t>
+              <a:t>(); 移动， 本地坐标</a:t>
             </a:r>
             <a:endParaRPr lang="zh-CN" altLang="en-US" sz="1800"/>
           </a:p>
@@ -6195,7 +6195,7 @@
             </a:r>
             <a:r>
               <a:rPr lang="zh-CN" altLang="en-US" sz="1800"/>
-              <a:t>(); 旋转 </a:t>
+              <a:t>(); 旋转 ，默认本地坐标，可设置世界坐标</a:t>
             </a:r>
             <a:endParaRPr lang="zh-CN" altLang="en-US" sz="1800"/>
           </a:p>

--- a/教学课件/13.第十三课  Transform组件,Time, Camera.pptx
+++ b/教学课件/13.第十三课  Transform组件,Time, Camera.pptx
@@ -6005,7 +6005,19 @@
               <a:rPr lang="zh-CN" altLang="en-US" sz="2000">
                 <a:sym typeface="+mn-ea"/>
               </a:rPr>
-              <a:t>：自身右方向</a:t>
+              <a:t>：</a:t>
+            </a:r>
+            <a:r>
+              <a:rPr lang="zh-CN" altLang="en-US" sz="2000" b="1">
+                <a:sym typeface="+mn-ea"/>
+              </a:rPr>
+              <a:t>自身</a:t>
+            </a:r>
+            <a:r>
+              <a:rPr lang="zh-CN" altLang="en-US" sz="2000">
+                <a:sym typeface="+mn-ea"/>
+              </a:rPr>
+              <a:t>右方向</a:t>
             </a:r>
             <a:endParaRPr lang="zh-CN" altLang="en-US" sz="2000"/>
           </a:p>
@@ -6023,7 +6035,19 @@
               <a:rPr lang="zh-CN" altLang="en-US" sz="2000">
                 <a:sym typeface="+mn-ea"/>
               </a:rPr>
-              <a:t>： 自身上方向</a:t>
+              <a:t>： </a:t>
+            </a:r>
+            <a:r>
+              <a:rPr lang="zh-CN" altLang="en-US" sz="2000" b="1">
+                <a:sym typeface="+mn-ea"/>
+              </a:rPr>
+              <a:t>自身</a:t>
+            </a:r>
+            <a:r>
+              <a:rPr lang="zh-CN" altLang="en-US" sz="2000">
+                <a:sym typeface="+mn-ea"/>
+              </a:rPr>
+              <a:t>上方向</a:t>
             </a:r>
             <a:endParaRPr lang="zh-CN" altLang="en-US" sz="2000"/>
           </a:p>
@@ -6041,7 +6065,19 @@
               <a:rPr lang="zh-CN" altLang="en-US" sz="2000">
                 <a:sym typeface="+mn-ea"/>
               </a:rPr>
-              <a:t>： 自身前方向 </a:t>
+              <a:t>： </a:t>
+            </a:r>
+            <a:r>
+              <a:rPr lang="zh-CN" altLang="en-US" sz="2000" b="1">
+                <a:sym typeface="+mn-ea"/>
+              </a:rPr>
+              <a:t>自身</a:t>
+            </a:r>
+            <a:r>
+              <a:rPr lang="zh-CN" altLang="en-US" sz="2000">
+                <a:sym typeface="+mn-ea"/>
+              </a:rPr>
+              <a:t>前方向 </a:t>
             </a:r>
             <a:endParaRPr lang="zh-CN" altLang="en-US" sz="2000"/>
           </a:p>

--- a/教学课件/13.第十三课  Transform组件,Time, Camera.pptx
+++ b/教学课件/13.第十三课  Transform组件,Time, Camera.pptx
@@ -5815,8 +5815,8 @@
         </p:nvSpPr>
         <p:spPr>
           <a:xfrm>
-            <a:off x="838200" y="88265"/>
-            <a:ext cx="10515600" cy="6647815"/>
+            <a:off x="838200" y="232410"/>
+            <a:ext cx="10515600" cy="6503670"/>
           </a:xfrm>
         </p:spPr>
         <p:txBody>
@@ -6005,19 +6005,37 @@
               <a:rPr lang="zh-CN" altLang="en-US" sz="2000">
                 <a:sym typeface="+mn-ea"/>
               </a:rPr>
-              <a:t>：</a:t>
+              <a:t>：表示</a:t>
             </a:r>
             <a:r>
               <a:rPr lang="zh-CN" altLang="en-US" sz="2000" b="1">
                 <a:sym typeface="+mn-ea"/>
               </a:rPr>
-              <a:t>自身</a:t>
+              <a:t>自身右</a:t>
             </a:r>
             <a:r>
               <a:rPr lang="zh-CN" altLang="en-US" sz="2000">
                 <a:sym typeface="+mn-ea"/>
               </a:rPr>
-              <a:t>右方向</a:t>
+              <a:t>方向的向量</a:t>
+            </a:r>
+            <a:r>
+              <a:rPr lang="en-US" altLang="zh-CN" sz="2000">
+                <a:sym typeface="+mn-ea"/>
+              </a:rPr>
+              <a:t>(</a:t>
+            </a:r>
+            <a:r>
+              <a:rPr lang="zh-CN" altLang="en-US" sz="2000">
+                <a:sym typeface="+mn-ea"/>
+              </a:rPr>
+              <a:t>世界坐标</a:t>
+            </a:r>
+            <a:r>
+              <a:rPr lang="en-US" altLang="zh-CN" sz="2000">
+                <a:sym typeface="+mn-ea"/>
+              </a:rPr>
+              <a:t>)</a:t>
             </a:r>
             <a:endParaRPr lang="zh-CN" altLang="en-US" sz="2000"/>
           </a:p>
@@ -6038,16 +6056,22 @@
               <a:t>： </a:t>
             </a:r>
             <a:r>
+              <a:rPr lang="zh-CN" altLang="en-US" sz="2000">
+                <a:sym typeface="+mn-ea"/>
+              </a:rPr>
+              <a:t>表示</a:t>
+            </a:r>
+            <a:r>
               <a:rPr lang="zh-CN" altLang="en-US" sz="2000" b="1">
                 <a:sym typeface="+mn-ea"/>
               </a:rPr>
-              <a:t>自身</a:t>
+              <a:t>自身上方</a:t>
             </a:r>
             <a:r>
               <a:rPr lang="zh-CN" altLang="en-US" sz="2000">
                 <a:sym typeface="+mn-ea"/>
               </a:rPr>
-              <a:t>上方向</a:t>
+              <a:t>向的向量</a:t>
             </a:r>
             <a:endParaRPr lang="zh-CN" altLang="en-US" sz="2000"/>
           </a:p>
@@ -6068,16 +6092,22 @@
               <a:t>： </a:t>
             </a:r>
             <a:r>
+              <a:rPr lang="zh-CN" altLang="en-US" sz="2000">
+                <a:sym typeface="+mn-ea"/>
+              </a:rPr>
+              <a:t>表示</a:t>
+            </a:r>
+            <a:r>
               <a:rPr lang="zh-CN" altLang="en-US" sz="2000" b="1">
                 <a:sym typeface="+mn-ea"/>
               </a:rPr>
-              <a:t>自身</a:t>
+              <a:t>自身正前</a:t>
             </a:r>
             <a:r>
               <a:rPr lang="zh-CN" altLang="en-US" sz="2000">
                 <a:sym typeface="+mn-ea"/>
               </a:rPr>
-              <a:t>前方向 </a:t>
+              <a:t>方向 的向量</a:t>
             </a:r>
             <a:endParaRPr lang="zh-CN" altLang="en-US" sz="2000"/>
           </a:p>
@@ -6507,6 +6537,14 @@
             <a:r>
               <a:rPr lang="zh-CN" altLang="en-US" sz="1800"/>
               <a:t>朝向某个物体</a:t>
+            </a:r>
+            <a:r>
+              <a:rPr lang="en-US" altLang="zh-CN" sz="1800"/>
+              <a:t>,</a:t>
+            </a:r>
+            <a:r>
+              <a:rPr lang="zh-CN" altLang="en-US" sz="1800"/>
+              <a:t>看向世界坐标系中的某个点</a:t>
             </a:r>
             <a:endParaRPr lang="zh-CN" altLang="en-US" sz="1800"/>
           </a:p>

--- a/教学课件/13.第十三课  Transform组件,Time, Camera.pptx
+++ b/教学课件/13.第十三课  Transform组件,Time, Camera.pptx
@@ -3265,20 +3265,24 @@
               </a:lnSpc>
             </a:pPr>
             <a:r>
+              <a:rPr lang="zh-CN" altLang="en-US" sz="2400" b="1"/>
+              <a:t>Time.</a:t>
+            </a:r>
+            <a:r>
+              <a:rPr lang="zh-CN" altLang="en-US" sz="2400" b="1">
+                <a:solidFill>
+                  <a:srgbClr val="FF0000"/>
+                </a:solidFill>
+              </a:rPr>
+              <a:t>deltaTime</a:t>
+            </a:r>
+            <a:r>
+              <a:rPr lang="zh-CN" altLang="en-US" sz="2400" b="1"/>
+              <a:t>;</a:t>
+            </a:r>
+            <a:r>
               <a:rPr lang="zh-CN" altLang="en-US" sz="2400"/>
-              <a:t>Time.</a:t>
-            </a:r>
-            <a:r>
-              <a:rPr lang="zh-CN" altLang="en-US" sz="2400">
-                <a:solidFill>
-                  <a:srgbClr val="FF0000"/>
-                </a:solidFill>
-              </a:rPr>
-              <a:t>deltaTime</a:t>
-            </a:r>
-            <a:r>
-              <a:rPr lang="zh-CN" altLang="en-US" sz="2400"/>
-              <a:t>; 每一帧消耗的时间 </a:t>
+              <a:t> 每一帧消耗的时间 </a:t>
             </a:r>
             <a:endParaRPr lang="zh-CN" altLang="en-US" sz="2400"/>
           </a:p>
@@ -3289,20 +3293,36 @@
               </a:lnSpc>
             </a:pPr>
             <a:r>
+              <a:rPr lang="zh-CN" altLang="en-US" sz="2400" b="1"/>
+              <a:t>Time.</a:t>
+            </a:r>
+            <a:r>
+              <a:rPr lang="zh-CN" altLang="en-US" sz="2400" b="1">
+                <a:solidFill>
+                  <a:srgbClr val="FF0000"/>
+                </a:solidFill>
+              </a:rPr>
+              <a:t>fixedDeltaTime</a:t>
+            </a:r>
+            <a:r>
+              <a:rPr lang="zh-CN" altLang="en-US" sz="2400" b="1"/>
+              <a:t>;</a:t>
+            </a:r>
+            <a:r>
               <a:rPr lang="zh-CN" altLang="en-US" sz="2400"/>
-              <a:t>Time.</a:t>
-            </a:r>
-            <a:r>
-              <a:rPr lang="zh-CN" altLang="en-US" sz="2400">
-                <a:solidFill>
-                  <a:srgbClr val="FF0000"/>
-                </a:solidFill>
-              </a:rPr>
-              <a:t>fixedDeltaTime</a:t>
+              <a:t> 固定时间(每次物理检测的间隔时间)</a:t>
+            </a:r>
+            <a:r>
+              <a:rPr lang="en-US" altLang="zh-CN" sz="2400"/>
+              <a:t>, </a:t>
             </a:r>
             <a:r>
               <a:rPr lang="zh-CN" altLang="en-US" sz="2400"/>
-              <a:t>; 固定时间(每次物理检测的间隔时间) </a:t>
+              <a:t>不会被缩放</a:t>
+            </a:r>
+            <a:r>
+              <a:rPr lang="zh-CN" altLang="en-US" sz="2400"/>
+              <a:t> </a:t>
             </a:r>
             <a:endParaRPr lang="zh-CN" altLang="en-US" sz="2400"/>
           </a:p>
@@ -3337,20 +3357,24 @@
               </a:lnSpc>
             </a:pPr>
             <a:r>
+              <a:rPr lang="zh-CN" altLang="en-US" sz="2400" b="1"/>
+              <a:t>Time.</a:t>
+            </a:r>
+            <a:r>
+              <a:rPr lang="zh-CN" altLang="en-US" sz="2400" b="1">
+                <a:solidFill>
+                  <a:srgbClr val="FF0000"/>
+                </a:solidFill>
+              </a:rPr>
+              <a:t>timeScale</a:t>
+            </a:r>
+            <a:r>
+              <a:rPr lang="zh-CN" altLang="en-US" sz="2400" b="1"/>
+              <a:t>;</a:t>
+            </a:r>
+            <a:r>
               <a:rPr lang="zh-CN" altLang="en-US" sz="2400"/>
-              <a:t>Time.</a:t>
-            </a:r>
-            <a:r>
-              <a:rPr lang="zh-CN" altLang="en-US" sz="2400">
-                <a:solidFill>
-                  <a:srgbClr val="FF0000"/>
-                </a:solidFill>
-              </a:rPr>
-              <a:t>timeScale</a:t>
-            </a:r>
-            <a:r>
-              <a:rPr lang="zh-CN" altLang="en-US" sz="2400"/>
-              <a:t>; 时间缩放会影响 deltaTime </a:t>
+              <a:t> 时间缩放会影响 deltaTime </a:t>
             </a:r>
             <a:endParaRPr lang="zh-CN" altLang="en-US" sz="2400"/>
           </a:p>
@@ -3361,20 +3385,24 @@
               </a:lnSpc>
             </a:pPr>
             <a:r>
+              <a:rPr lang="zh-CN" altLang="en-US" sz="2400" b="1"/>
+              <a:t>Time.</a:t>
+            </a:r>
+            <a:r>
+              <a:rPr lang="zh-CN" altLang="en-US" sz="2400" b="1">
+                <a:solidFill>
+                  <a:srgbClr val="FF0000"/>
+                </a:solidFill>
+              </a:rPr>
+              <a:t>unscaledDeltaTime</a:t>
+            </a:r>
+            <a:r>
+              <a:rPr lang="zh-CN" altLang="en-US" sz="2400" b="1"/>
+              <a:t>;</a:t>
+            </a:r>
+            <a:r>
               <a:rPr lang="zh-CN" altLang="en-US" sz="2400"/>
-              <a:t>Time.</a:t>
-            </a:r>
-            <a:r>
-              <a:rPr lang="zh-CN" altLang="en-US" sz="2400">
-                <a:solidFill>
-                  <a:srgbClr val="FF0000"/>
-                </a:solidFill>
-              </a:rPr>
-              <a:t>unscaledDeltaTime</a:t>
-            </a:r>
-            <a:r>
-              <a:rPr lang="zh-CN" altLang="en-US" sz="2400"/>
-              <a:t>; 未</a:t>
+              <a:t> 未</a:t>
             </a:r>
             <a:r>
               <a:rPr lang="zh-CN" altLang="en-US" sz="2400">
@@ -4097,7 +4125,12 @@
             <p:ph idx="1"/>
           </p:nvPr>
         </p:nvSpPr>
-        <p:spPr/>
+        <p:spPr>
+          <a:xfrm>
+            <a:off x="838200" y="1811020"/>
+            <a:ext cx="10515600" cy="4351338"/>
+          </a:xfrm>
+        </p:spPr>
         <p:txBody>
           <a:bodyPr/>
           <a:p>
@@ -4190,15 +4223,7 @@
             </a:r>
             <a:r>
               <a:rPr lang="zh-CN" altLang="en-US"/>
-              <a:t>鼠标进入</a:t>
-            </a:r>
-            <a:r>
-              <a:rPr lang="en-US" altLang="zh-CN"/>
-              <a:t>/</a:t>
-            </a:r>
-            <a:r>
-              <a:rPr lang="zh-CN" altLang="en-US"/>
-              <a:t>点击某个角色，则某个角色被聚光灯</a:t>
+              <a:t>鼠标进入某个角色，则某个角色被聚光灯</a:t>
             </a:r>
             <a:r>
               <a:rPr lang="zh-CN" altLang="en-US"/>
@@ -6073,6 +6098,24 @@
               </a:rPr>
               <a:t>向的向量</a:t>
             </a:r>
+            <a:r>
+              <a:rPr lang="en-US" altLang="zh-CN" sz="2000">
+                <a:sym typeface="+mn-ea"/>
+              </a:rPr>
+              <a:t>(</a:t>
+            </a:r>
+            <a:r>
+              <a:rPr lang="zh-CN" altLang="en-US" sz="2000">
+                <a:sym typeface="+mn-ea"/>
+              </a:rPr>
+              <a:t>世界坐标</a:t>
+            </a:r>
+            <a:r>
+              <a:rPr lang="en-US" altLang="zh-CN" sz="2000">
+                <a:sym typeface="+mn-ea"/>
+              </a:rPr>
+              <a:t>)</a:t>
+            </a:r>
             <a:endParaRPr lang="zh-CN" altLang="en-US" sz="2000"/>
           </a:p>
           <a:p>
@@ -6108,6 +6151,24 @@
                 <a:sym typeface="+mn-ea"/>
               </a:rPr>
               <a:t>方向 的向量</a:t>
+            </a:r>
+            <a:r>
+              <a:rPr lang="en-US" altLang="zh-CN" sz="2000">
+                <a:sym typeface="+mn-ea"/>
+              </a:rPr>
+              <a:t>(</a:t>
+            </a:r>
+            <a:r>
+              <a:rPr lang="zh-CN" altLang="en-US" sz="2000">
+                <a:sym typeface="+mn-ea"/>
+              </a:rPr>
+              <a:t>世界坐标</a:t>
+            </a:r>
+            <a:r>
+              <a:rPr lang="en-US" altLang="zh-CN" sz="2000">
+                <a:sym typeface="+mn-ea"/>
+              </a:rPr>
+              <a:t>)</a:t>
             </a:r>
             <a:endParaRPr lang="zh-CN" altLang="en-US" sz="2000"/>
           </a:p>
